--- a/测试_学习提升/集成测试/网络测试/计划.pptx
+++ b/测试_学习提升/集成测试/网络测试/计划.pptx
@@ -5744,15 +5744,6 @@
                         </a:rPr>
                         <a:t>list</a:t>
                       </a:r>
-                      <a:endParaRPr kumimoji="1" lang="en-US" altLang="zh-CN" sz="1100" b="0" i="0" u="none" strike="noStrike" cap="none" dirty="0" smtClean="0">
-                        <a:solidFill>
-                          <a:schemeClr val="tx1"/>
-                        </a:solidFill>
-                        <a:latin typeface="微软雅黑" pitchFamily="34" charset="-122"/>
-                        <a:ea typeface="微软雅黑" pitchFamily="34" charset="-122"/>
-                        <a:cs typeface="Arial"/>
-                        <a:sym typeface="Arial"/>
-                      </a:endParaRPr>
                     </a:p>
                   </a:txBody>
                   <a:tcPr/>
@@ -9091,16 +9082,6 @@
                     <a:bodyPr/>
                     <a:lstStyle/>
                     <a:p>
-                      <a:r>
-                        <a:rPr kumimoji="1" lang="ja-JP" altLang="en-US" sz="1100" b="1" dirty="0">
-                          <a:solidFill>
-                            <a:schemeClr val="bg1"/>
-                          </a:solidFill>
-                          <a:latin typeface="Meiryo UI" panose="020B0604030504040204" pitchFamily="50" charset="-128"/>
-                          <a:ea typeface="Meiryo UI" panose="020B0604030504040204" pitchFamily="50" charset="-128"/>
-                        </a:rPr>
-                        <a:t>月</a:t>
-                      </a:r>
                       <a:endParaRPr kumimoji="1" lang="en-US" altLang="ja-JP" sz="1100" dirty="0">
                         <a:latin typeface="Meiryo UI" panose="020B0604030504040204" pitchFamily="50" charset="-128"/>
                         <a:ea typeface="Meiryo UI" panose="020B0604030504040204" pitchFamily="50" charset="-128"/>
@@ -10441,6 +10422,145 @@
           </a:p>
         </p:txBody>
       </p:sp>
+      <p:sp>
+        <p:nvSpPr>
+          <p:cNvPr id="27" name="星 5 26"/>
+          <p:cNvSpPr/>
+          <p:nvPr/>
+        </p:nvSpPr>
+        <p:spPr>
+          <a:xfrm>
+            <a:off x="5617923" y="1346547"/>
+            <a:ext cx="350728" cy="300624"/>
+          </a:xfrm>
+          <a:prstGeom prst="star5">
+            <a:avLst/>
+          </a:prstGeom>
+          <a:solidFill>
+            <a:srgbClr val="FFFF00"/>
+          </a:solidFill>
+          <a:ln>
+            <a:solidFill>
+              <a:srgbClr val="FFFF00"/>
+            </a:solidFill>
+          </a:ln>
+        </p:spPr>
+        <p:style>
+          <a:lnRef idx="2">
+            <a:schemeClr val="accent1">
+              <a:shade val="50000"/>
+            </a:schemeClr>
+          </a:lnRef>
+          <a:fillRef idx="1">
+            <a:schemeClr val="accent1"/>
+          </a:fillRef>
+          <a:effectRef idx="0">
+            <a:schemeClr val="accent1"/>
+          </a:effectRef>
+          <a:fontRef idx="minor">
+            <a:schemeClr val="lt1"/>
+          </a:fontRef>
+        </p:style>
+        <p:txBody>
+          <a:bodyPr rtlCol="0" anchor="ctr"/>
+          <a:lstStyle/>
+          <a:p>
+            <a:pPr algn="ctr"/>
+            <a:endParaRPr kumimoji="1" lang="ja-JP" altLang="en-US"/>
+          </a:p>
+        </p:txBody>
+      </p:sp>
+      <p:graphicFrame>
+        <p:nvGraphicFramePr>
+          <p:cNvPr id="28" name="オブジェクト 27"/>
+          <p:cNvGraphicFramePr>
+            <a:graphicFrameLocks noChangeAspect="1"/>
+          </p:cNvGraphicFramePr>
+          <p:nvPr/>
+        </p:nvGraphicFramePr>
+        <p:xfrm>
+          <a:off x="6276975" y="5556250"/>
+          <a:ext cx="914400" cy="828675"/>
+        </p:xfrm>
+        <a:graphic>
+          <a:graphicData uri="http://schemas.openxmlformats.org/presentationml/2006/ole">
+            <p:oleObj spid="_x0000_s3074" name="ワークシート" showAsIcon="1" r:id="rId4" imgW="914400" imgH="828720" progId="Excel.Sheet.12">
+              <p:link updateAutomatic="1"/>
+            </p:oleObj>
+          </a:graphicData>
+        </a:graphic>
+      </p:graphicFrame>
+      <p:sp>
+        <p:nvSpPr>
+          <p:cNvPr id="29" name="正方形/長方形 28"/>
+          <p:cNvSpPr/>
+          <p:nvPr/>
+        </p:nvSpPr>
+        <p:spPr>
+          <a:xfrm>
+            <a:off x="7255441" y="5863875"/>
+            <a:ext cx="2480154" cy="338203"/>
+          </a:xfrm>
+          <a:prstGeom prst="rect">
+            <a:avLst/>
+          </a:prstGeom>
+          <a:noFill/>
+          <a:ln>
+            <a:noFill/>
+          </a:ln>
+        </p:spPr>
+        <p:style>
+          <a:lnRef idx="2">
+            <a:schemeClr val="accent1">
+              <a:shade val="50000"/>
+            </a:schemeClr>
+          </a:lnRef>
+          <a:fillRef idx="1">
+            <a:schemeClr val="accent1"/>
+          </a:fillRef>
+          <a:effectRef idx="0">
+            <a:schemeClr val="accent1"/>
+          </a:effectRef>
+          <a:fontRef idx="minor">
+            <a:schemeClr val="lt1"/>
+          </a:fontRef>
+        </p:style>
+        <p:txBody>
+          <a:bodyPr rtlCol="0" anchor="ctr"/>
+          <a:lstStyle/>
+          <a:p>
+            <a:r>
+              <a:rPr kumimoji="1" lang="zh-CN" altLang="en-US" dirty="0" smtClean="0">
+                <a:solidFill>
+                  <a:schemeClr val="tx1"/>
+                </a:solidFill>
+              </a:rPr>
+              <a:t>：</a:t>
+            </a:r>
+            <a:r>
+              <a:rPr kumimoji="1" lang="en-US" altLang="zh-CN" dirty="0" smtClean="0">
+                <a:solidFill>
+                  <a:schemeClr val="tx1"/>
+                </a:solidFill>
+              </a:rPr>
+              <a:t>1-3</a:t>
+            </a:r>
+            <a:r>
+              <a:rPr kumimoji="1" lang="zh-CN" altLang="en-US" dirty="0" smtClean="0">
+                <a:solidFill>
+                  <a:schemeClr val="tx1"/>
+                </a:solidFill>
+              </a:rPr>
+              <a:t>月详细次级计划</a:t>
+            </a:r>
+            <a:endParaRPr kumimoji="1" lang="en-US" altLang="zh-CN" dirty="0" smtClean="0">
+              <a:solidFill>
+                <a:schemeClr val="tx1"/>
+              </a:solidFill>
+            </a:endParaRPr>
+          </a:p>
+        </p:txBody>
+      </p:sp>
     </p:spTree>
     <p:extLst>
       <p:ext uri="{BB962C8B-B14F-4D97-AF65-F5344CB8AC3E}">
